--- a/Learning Phase/Week 3/Day 2/3. Create REST APIs with JAX-RS/Slides/jax-rs-slides.pptx
+++ b/Learning Phase/Week 3/Day 2/3. Create REST APIs with JAX-RS/Slides/jax-rs-slides.pptx
@@ -5,12 +5,12 @@
     <p:sldMasterId id="2147483648" r:id="rId1"/>
   </p:sldMasterIdLst>
   <p:notesMasterIdLst>
-    <p:notesMasterId r:id="rId6"/>
+    <p:notesMasterId r:id="rId5"/>
   </p:notesMasterIdLst>
   <p:sldIdLst>
-    <p:sldId id="257" r:id="rId3"/>
-    <p:sldId id="258" r:id="rId4"/>
-    <p:sldId id="259" r:id="rId5"/>
+    <p:sldId id="257" r:id="rId2"/>
+    <p:sldId id="258" r:id="rId3"/>
+    <p:sldId id="259" r:id="rId4"/>
   </p:sldIdLst>
   <p:sldSz cx="12192000" cy="6858000"/>
   <p:notesSz cx="6858000" cy="9144000"/>
@@ -109,6 +109,11 @@
       </a:defRPr>
     </a:lvl9pPr>
   </p:defaultTextStyle>
+  <p:extLst>
+    <p:ext uri="{EFAFB233-063F-42B5-8137-9DF3F51BA10A}">
+      <p15:sldGuideLst xmlns:p15="http://schemas.microsoft.com/office/powerpoint/2012/main"/>
+    </p:ext>
+  </p:extLst>
 </p:presentation>
 </file>
 
@@ -194,6 +199,7 @@
           <a:p>
             <a:fld id="{3EFD42F7-718C-4B98-AAEC-167E6DDD60A7}" type="datetimeFigureOut">
               <a:rPr lang="en-US" smtClean="0"/>
+              <a:t>10/26/2023</a:t>
             </a:fld>
             <a:endParaRPr lang="en-US"/>
           </a:p>
@@ -257,42 +263,37 @@
           <a:p>
             <a:pPr lvl="0"/>
             <a:r>
-              <a:rPr lang="en-US" smtClean="0"/>
+              <a:rPr lang="en-US"/>
               <a:t>Click to edit Master text styles</a:t>
             </a:r>
-            <a:endParaRPr lang="en-US" smtClean="0"/>
           </a:p>
           <a:p>
             <a:pPr lvl="1"/>
             <a:r>
-              <a:rPr lang="en-US" smtClean="0"/>
+              <a:rPr lang="en-US"/>
               <a:t>Second level</a:t>
             </a:r>
-            <a:endParaRPr lang="en-US" smtClean="0"/>
           </a:p>
           <a:p>
             <a:pPr lvl="2"/>
             <a:r>
-              <a:rPr lang="en-US" smtClean="0"/>
+              <a:rPr lang="en-US"/>
               <a:t>Third level</a:t>
             </a:r>
-            <a:endParaRPr lang="en-US" smtClean="0"/>
           </a:p>
           <a:p>
             <a:pPr lvl="3"/>
             <a:r>
-              <a:rPr lang="en-US" smtClean="0"/>
+              <a:rPr lang="en-US"/>
               <a:t>Fourth level</a:t>
             </a:r>
-            <a:endParaRPr lang="en-US" smtClean="0"/>
           </a:p>
           <a:p>
             <a:pPr lvl="4"/>
             <a:r>
-              <a:rPr lang="en-US" smtClean="0"/>
+              <a:rPr lang="en-US"/>
               <a:t>Fifth level</a:t>
             </a:r>
-            <a:endParaRPr lang="en-US"/>
           </a:p>
         </p:txBody>
       </p:sp>
@@ -356,6 +357,7 @@
           <a:p>
             <a:fld id="{21B2AA4F-B828-4D7C-AFD3-893933DAFCB4}" type="slidenum">
               <a:rPr lang="en-US" smtClean="0"/>
+              <a:t>‹#›</a:t>
             </a:fld>
             <a:endParaRPr lang="en-US"/>
           </a:p>
@@ -501,10 +503,9 @@
           </a:lstStyle>
           <a:p>
             <a:r>
-              <a:rPr lang="en-US" smtClean="0"/>
+              <a:rPr lang="en-US"/>
               <a:t>Click to edit Master title style</a:t>
             </a:r>
-            <a:endParaRPr lang="en-US"/>
           </a:p>
         </p:txBody>
       </p:sp>
@@ -566,10 +567,9 @@
           </a:lstStyle>
           <a:p>
             <a:r>
-              <a:rPr lang="en-US" smtClean="0"/>
+              <a:rPr lang="en-US"/>
               <a:t>Click to edit Master subtitle style</a:t>
             </a:r>
-            <a:endParaRPr lang="en-US"/>
           </a:p>
         </p:txBody>
       </p:sp>
@@ -590,6 +590,7 @@
           <a:p>
             <a:fld id="{63A1C593-65D0-4073-BCC9-577B9352EA97}" type="datetimeFigureOut">
               <a:rPr lang="en-US" smtClean="0"/>
+              <a:t>10/26/2023</a:t>
             </a:fld>
             <a:endParaRPr lang="en-US"/>
           </a:p>
@@ -631,6 +632,7 @@
           <a:p>
             <a:fld id="{9B618960-8005-486C-9A75-10CB2AAC16F9}" type="slidenum">
               <a:rPr lang="en-US" smtClean="0"/>
+              <a:t>‹#›</a:t>
             </a:fld>
             <a:endParaRPr lang="en-US"/>
           </a:p>
@@ -678,10 +680,9 @@
           <a:lstStyle/>
           <a:p>
             <a:r>
-              <a:rPr lang="en-US" smtClean="0"/>
+              <a:rPr lang="en-US"/>
               <a:t>Click to edit Master title style</a:t>
             </a:r>
-            <a:endParaRPr lang="en-US"/>
           </a:p>
         </p:txBody>
       </p:sp>
@@ -702,42 +703,37 @@
           <a:p>
             <a:pPr lvl="0"/>
             <a:r>
-              <a:rPr lang="en-US" smtClean="0"/>
+              <a:rPr lang="en-US"/>
               <a:t>Click to edit Master text styles</a:t>
             </a:r>
-            <a:endParaRPr lang="en-US" smtClean="0"/>
           </a:p>
           <a:p>
             <a:pPr lvl="1"/>
             <a:r>
-              <a:rPr lang="en-US" smtClean="0"/>
+              <a:rPr lang="en-US"/>
               <a:t>Second level</a:t>
             </a:r>
-            <a:endParaRPr lang="en-US" smtClean="0"/>
           </a:p>
           <a:p>
             <a:pPr lvl="2"/>
             <a:r>
-              <a:rPr lang="en-US" smtClean="0"/>
+              <a:rPr lang="en-US"/>
               <a:t>Third level</a:t>
             </a:r>
-            <a:endParaRPr lang="en-US" smtClean="0"/>
           </a:p>
           <a:p>
             <a:pPr lvl="3"/>
             <a:r>
-              <a:rPr lang="en-US" smtClean="0"/>
+              <a:rPr lang="en-US"/>
               <a:t>Fourth level</a:t>
             </a:r>
-            <a:endParaRPr lang="en-US" smtClean="0"/>
           </a:p>
           <a:p>
             <a:pPr lvl="4"/>
             <a:r>
-              <a:rPr lang="en-US" smtClean="0"/>
+              <a:rPr lang="en-US"/>
               <a:t>Fifth level</a:t>
             </a:r>
-            <a:endParaRPr lang="en-US"/>
           </a:p>
         </p:txBody>
       </p:sp>
@@ -758,6 +754,7 @@
           <a:p>
             <a:fld id="{63A1C593-65D0-4073-BCC9-577B9352EA97}" type="datetimeFigureOut">
               <a:rPr lang="en-US" smtClean="0"/>
+              <a:t>10/26/2023</a:t>
             </a:fld>
             <a:endParaRPr lang="en-US"/>
           </a:p>
@@ -799,6 +796,7 @@
           <a:p>
             <a:fld id="{9B618960-8005-486C-9A75-10CB2AAC16F9}" type="slidenum">
               <a:rPr lang="en-US" smtClean="0"/>
+              <a:t>‹#›</a:t>
             </a:fld>
             <a:endParaRPr lang="en-US"/>
           </a:p>
@@ -851,10 +849,9 @@
           <a:lstStyle/>
           <a:p>
             <a:r>
-              <a:rPr lang="en-US" smtClean="0"/>
+              <a:rPr lang="en-US"/>
               <a:t>Click to edit Master title style</a:t>
             </a:r>
-            <a:endParaRPr lang="en-US"/>
           </a:p>
         </p:txBody>
       </p:sp>
@@ -880,42 +877,37 @@
           <a:p>
             <a:pPr lvl="0"/>
             <a:r>
-              <a:rPr lang="en-US" smtClean="0"/>
+              <a:rPr lang="en-US"/>
               <a:t>Click to edit Master text styles</a:t>
             </a:r>
-            <a:endParaRPr lang="en-US" smtClean="0"/>
           </a:p>
           <a:p>
             <a:pPr lvl="1"/>
             <a:r>
-              <a:rPr lang="en-US" smtClean="0"/>
+              <a:rPr lang="en-US"/>
               <a:t>Second level</a:t>
             </a:r>
-            <a:endParaRPr lang="en-US" smtClean="0"/>
           </a:p>
           <a:p>
             <a:pPr lvl="2"/>
             <a:r>
-              <a:rPr lang="en-US" smtClean="0"/>
+              <a:rPr lang="en-US"/>
               <a:t>Third level</a:t>
             </a:r>
-            <a:endParaRPr lang="en-US" smtClean="0"/>
           </a:p>
           <a:p>
             <a:pPr lvl="3"/>
             <a:r>
-              <a:rPr lang="en-US" smtClean="0"/>
+              <a:rPr lang="en-US"/>
               <a:t>Fourth level</a:t>
             </a:r>
-            <a:endParaRPr lang="en-US" smtClean="0"/>
           </a:p>
           <a:p>
             <a:pPr lvl="4"/>
             <a:r>
-              <a:rPr lang="en-US" smtClean="0"/>
+              <a:rPr lang="en-US"/>
               <a:t>Fifth level</a:t>
             </a:r>
-            <a:endParaRPr lang="en-US"/>
           </a:p>
         </p:txBody>
       </p:sp>
@@ -936,6 +928,7 @@
           <a:p>
             <a:fld id="{63A1C593-65D0-4073-BCC9-577B9352EA97}" type="datetimeFigureOut">
               <a:rPr lang="en-US" smtClean="0"/>
+              <a:t>10/26/2023</a:t>
             </a:fld>
             <a:endParaRPr lang="en-US"/>
           </a:p>
@@ -977,6 +970,7 @@
           <a:p>
             <a:fld id="{9B618960-8005-486C-9A75-10CB2AAC16F9}" type="slidenum">
               <a:rPr lang="en-US" smtClean="0"/>
+              <a:t>‹#›</a:t>
             </a:fld>
             <a:endParaRPr lang="en-US"/>
           </a:p>
@@ -1024,10 +1018,9 @@
           <a:lstStyle/>
           <a:p>
             <a:r>
-              <a:rPr lang="en-US" smtClean="0"/>
+              <a:rPr lang="en-US"/>
               <a:t>Click to edit Master title style</a:t>
             </a:r>
-            <a:endParaRPr lang="en-US"/>
           </a:p>
         </p:txBody>
       </p:sp>
@@ -1048,42 +1041,37 @@
           <a:p>
             <a:pPr lvl="0"/>
             <a:r>
-              <a:rPr lang="en-US" smtClean="0"/>
+              <a:rPr lang="en-US"/>
               <a:t>Click to edit Master text styles</a:t>
             </a:r>
-            <a:endParaRPr lang="en-US" smtClean="0"/>
           </a:p>
           <a:p>
             <a:pPr lvl="1"/>
             <a:r>
-              <a:rPr lang="en-US" smtClean="0"/>
+              <a:rPr lang="en-US"/>
               <a:t>Second level</a:t>
             </a:r>
-            <a:endParaRPr lang="en-US" smtClean="0"/>
           </a:p>
           <a:p>
             <a:pPr lvl="2"/>
             <a:r>
-              <a:rPr lang="en-US" smtClean="0"/>
+              <a:rPr lang="en-US"/>
               <a:t>Third level</a:t>
             </a:r>
-            <a:endParaRPr lang="en-US" smtClean="0"/>
           </a:p>
           <a:p>
             <a:pPr lvl="3"/>
             <a:r>
-              <a:rPr lang="en-US" smtClean="0"/>
+              <a:rPr lang="en-US"/>
               <a:t>Fourth level</a:t>
             </a:r>
-            <a:endParaRPr lang="en-US" smtClean="0"/>
           </a:p>
           <a:p>
             <a:pPr lvl="4"/>
             <a:r>
-              <a:rPr lang="en-US" smtClean="0"/>
+              <a:rPr lang="en-US"/>
               <a:t>Fifth level</a:t>
             </a:r>
-            <a:endParaRPr lang="en-US"/>
           </a:p>
         </p:txBody>
       </p:sp>
@@ -1104,6 +1092,7 @@
           <a:p>
             <a:fld id="{63A1C593-65D0-4073-BCC9-577B9352EA97}" type="datetimeFigureOut">
               <a:rPr lang="en-US" smtClean="0"/>
+              <a:t>10/26/2023</a:t>
             </a:fld>
             <a:endParaRPr lang="en-US"/>
           </a:p>
@@ -1145,6 +1134,7 @@
           <a:p>
             <a:fld id="{9B618960-8005-486C-9A75-10CB2AAC16F9}" type="slidenum">
               <a:rPr lang="en-US" smtClean="0"/>
+              <a:t>‹#›</a:t>
             </a:fld>
             <a:endParaRPr lang="en-US"/>
           </a:p>
@@ -1201,10 +1191,9 @@
           </a:lstStyle>
           <a:p>
             <a:r>
-              <a:rPr lang="en-US" smtClean="0"/>
+              <a:rPr lang="en-US"/>
               <a:t>Click to edit Master title style</a:t>
             </a:r>
-            <a:endParaRPr lang="en-US"/>
           </a:p>
         </p:txBody>
       </p:sp>
@@ -1321,10 +1310,9 @@
           <a:p>
             <a:pPr lvl="0"/>
             <a:r>
-              <a:rPr lang="en-US" smtClean="0"/>
+              <a:rPr lang="en-US"/>
               <a:t>Click to edit Master text styles</a:t>
             </a:r>
-            <a:endParaRPr lang="en-US" smtClean="0"/>
           </a:p>
         </p:txBody>
       </p:sp>
@@ -1345,6 +1333,7 @@
           <a:p>
             <a:fld id="{63A1C593-65D0-4073-BCC9-577B9352EA97}" type="datetimeFigureOut">
               <a:rPr lang="en-US" smtClean="0"/>
+              <a:t>10/26/2023</a:t>
             </a:fld>
             <a:endParaRPr lang="en-US"/>
           </a:p>
@@ -1386,6 +1375,7 @@
           <a:p>
             <a:fld id="{9B618960-8005-486C-9A75-10CB2AAC16F9}" type="slidenum">
               <a:rPr lang="en-US" smtClean="0"/>
+              <a:t>‹#›</a:t>
             </a:fld>
             <a:endParaRPr lang="en-US"/>
           </a:p>
@@ -1433,10 +1423,9 @@
           <a:lstStyle/>
           <a:p>
             <a:r>
-              <a:rPr lang="en-US" smtClean="0"/>
+              <a:rPr lang="en-US"/>
               <a:t>Click to edit Master title style</a:t>
             </a:r>
-            <a:endParaRPr lang="en-US"/>
           </a:p>
         </p:txBody>
       </p:sp>
@@ -1462,42 +1451,37 @@
           <a:p>
             <a:pPr lvl="0"/>
             <a:r>
-              <a:rPr lang="en-US" smtClean="0"/>
+              <a:rPr lang="en-US"/>
               <a:t>Click to edit Master text styles</a:t>
             </a:r>
-            <a:endParaRPr lang="en-US" smtClean="0"/>
           </a:p>
           <a:p>
             <a:pPr lvl="1"/>
             <a:r>
-              <a:rPr lang="en-US" smtClean="0"/>
+              <a:rPr lang="en-US"/>
               <a:t>Second level</a:t>
             </a:r>
-            <a:endParaRPr lang="en-US" smtClean="0"/>
           </a:p>
           <a:p>
             <a:pPr lvl="2"/>
             <a:r>
-              <a:rPr lang="en-US" smtClean="0"/>
+              <a:rPr lang="en-US"/>
               <a:t>Third level</a:t>
             </a:r>
-            <a:endParaRPr lang="en-US" smtClean="0"/>
           </a:p>
           <a:p>
             <a:pPr lvl="3"/>
             <a:r>
-              <a:rPr lang="en-US" smtClean="0"/>
+              <a:rPr lang="en-US"/>
               <a:t>Fourth level</a:t>
             </a:r>
-            <a:endParaRPr lang="en-US" smtClean="0"/>
           </a:p>
           <a:p>
             <a:pPr lvl="4"/>
             <a:r>
-              <a:rPr lang="en-US" smtClean="0"/>
+              <a:rPr lang="en-US"/>
               <a:t>Fifth level</a:t>
             </a:r>
-            <a:endParaRPr lang="en-US"/>
           </a:p>
         </p:txBody>
       </p:sp>
@@ -1523,42 +1507,37 @@
           <a:p>
             <a:pPr lvl="0"/>
             <a:r>
-              <a:rPr lang="en-US" smtClean="0"/>
+              <a:rPr lang="en-US"/>
               <a:t>Click to edit Master text styles</a:t>
             </a:r>
-            <a:endParaRPr lang="en-US" smtClean="0"/>
           </a:p>
           <a:p>
             <a:pPr lvl="1"/>
             <a:r>
-              <a:rPr lang="en-US" smtClean="0"/>
+              <a:rPr lang="en-US"/>
               <a:t>Second level</a:t>
             </a:r>
-            <a:endParaRPr lang="en-US" smtClean="0"/>
           </a:p>
           <a:p>
             <a:pPr lvl="2"/>
             <a:r>
-              <a:rPr lang="en-US" smtClean="0"/>
+              <a:rPr lang="en-US"/>
               <a:t>Third level</a:t>
             </a:r>
-            <a:endParaRPr lang="en-US" smtClean="0"/>
           </a:p>
           <a:p>
             <a:pPr lvl="3"/>
             <a:r>
-              <a:rPr lang="en-US" smtClean="0"/>
+              <a:rPr lang="en-US"/>
               <a:t>Fourth level</a:t>
             </a:r>
-            <a:endParaRPr lang="en-US" smtClean="0"/>
           </a:p>
           <a:p>
             <a:pPr lvl="4"/>
             <a:r>
-              <a:rPr lang="en-US" smtClean="0"/>
+              <a:rPr lang="en-US"/>
               <a:t>Fifth level</a:t>
             </a:r>
-            <a:endParaRPr lang="en-US"/>
           </a:p>
         </p:txBody>
       </p:sp>
@@ -1579,6 +1558,7 @@
           <a:p>
             <a:fld id="{63A1C593-65D0-4073-BCC9-577B9352EA97}" type="datetimeFigureOut">
               <a:rPr lang="en-US" smtClean="0"/>
+              <a:t>10/26/2023</a:t>
             </a:fld>
             <a:endParaRPr lang="en-US"/>
           </a:p>
@@ -1620,6 +1600,7 @@
           <a:p>
             <a:fld id="{9B618960-8005-486C-9A75-10CB2AAC16F9}" type="slidenum">
               <a:rPr lang="en-US" smtClean="0"/>
+              <a:t>‹#›</a:t>
             </a:fld>
             <a:endParaRPr lang="en-US"/>
           </a:p>
@@ -1672,10 +1653,9 @@
           <a:lstStyle/>
           <a:p>
             <a:r>
-              <a:rPr lang="en-US" smtClean="0"/>
+              <a:rPr lang="en-US"/>
               <a:t>Click to edit Master title style</a:t>
             </a:r>
-            <a:endParaRPr lang="en-US"/>
           </a:p>
         </p:txBody>
       </p:sp>
@@ -1738,10 +1718,9 @@
           <a:p>
             <a:pPr lvl="0"/>
             <a:r>
-              <a:rPr lang="en-US" smtClean="0"/>
+              <a:rPr lang="en-US"/>
               <a:t>Click to edit Master text styles</a:t>
             </a:r>
-            <a:endParaRPr lang="en-US" smtClean="0"/>
           </a:p>
         </p:txBody>
       </p:sp>
@@ -1767,42 +1746,37 @@
           <a:p>
             <a:pPr lvl="0"/>
             <a:r>
-              <a:rPr lang="en-US" smtClean="0"/>
+              <a:rPr lang="en-US"/>
               <a:t>Click to edit Master text styles</a:t>
             </a:r>
-            <a:endParaRPr lang="en-US" smtClean="0"/>
           </a:p>
           <a:p>
             <a:pPr lvl="1"/>
             <a:r>
-              <a:rPr lang="en-US" smtClean="0"/>
+              <a:rPr lang="en-US"/>
               <a:t>Second level</a:t>
             </a:r>
-            <a:endParaRPr lang="en-US" smtClean="0"/>
           </a:p>
           <a:p>
             <a:pPr lvl="2"/>
             <a:r>
-              <a:rPr lang="en-US" smtClean="0"/>
+              <a:rPr lang="en-US"/>
               <a:t>Third level</a:t>
             </a:r>
-            <a:endParaRPr lang="en-US" smtClean="0"/>
           </a:p>
           <a:p>
             <a:pPr lvl="3"/>
             <a:r>
-              <a:rPr lang="en-US" smtClean="0"/>
+              <a:rPr lang="en-US"/>
               <a:t>Fourth level</a:t>
             </a:r>
-            <a:endParaRPr lang="en-US" smtClean="0"/>
           </a:p>
           <a:p>
             <a:pPr lvl="4"/>
             <a:r>
-              <a:rPr lang="en-US" smtClean="0"/>
+              <a:rPr lang="en-US"/>
               <a:t>Fifth level</a:t>
             </a:r>
-            <a:endParaRPr lang="en-US"/>
           </a:p>
         </p:txBody>
       </p:sp>
@@ -1865,10 +1839,9 @@
           <a:p>
             <a:pPr lvl="0"/>
             <a:r>
-              <a:rPr lang="en-US" smtClean="0"/>
+              <a:rPr lang="en-US"/>
               <a:t>Click to edit Master text styles</a:t>
             </a:r>
-            <a:endParaRPr lang="en-US" smtClean="0"/>
           </a:p>
         </p:txBody>
       </p:sp>
@@ -1894,42 +1867,37 @@
           <a:p>
             <a:pPr lvl="0"/>
             <a:r>
-              <a:rPr lang="en-US" smtClean="0"/>
+              <a:rPr lang="en-US"/>
               <a:t>Click to edit Master text styles</a:t>
             </a:r>
-            <a:endParaRPr lang="en-US" smtClean="0"/>
           </a:p>
           <a:p>
             <a:pPr lvl="1"/>
             <a:r>
-              <a:rPr lang="en-US" smtClean="0"/>
+              <a:rPr lang="en-US"/>
               <a:t>Second level</a:t>
             </a:r>
-            <a:endParaRPr lang="en-US" smtClean="0"/>
           </a:p>
           <a:p>
             <a:pPr lvl="2"/>
             <a:r>
-              <a:rPr lang="en-US" smtClean="0"/>
+              <a:rPr lang="en-US"/>
               <a:t>Third level</a:t>
             </a:r>
-            <a:endParaRPr lang="en-US" smtClean="0"/>
           </a:p>
           <a:p>
             <a:pPr lvl="3"/>
             <a:r>
-              <a:rPr lang="en-US" smtClean="0"/>
+              <a:rPr lang="en-US"/>
               <a:t>Fourth level</a:t>
             </a:r>
-            <a:endParaRPr lang="en-US" smtClean="0"/>
           </a:p>
           <a:p>
             <a:pPr lvl="4"/>
             <a:r>
-              <a:rPr lang="en-US" smtClean="0"/>
+              <a:rPr lang="en-US"/>
               <a:t>Fifth level</a:t>
             </a:r>
-            <a:endParaRPr lang="en-US"/>
           </a:p>
         </p:txBody>
       </p:sp>
@@ -1950,6 +1918,7 @@
           <a:p>
             <a:fld id="{63A1C593-65D0-4073-BCC9-577B9352EA97}" type="datetimeFigureOut">
               <a:rPr lang="en-US" smtClean="0"/>
+              <a:t>10/26/2023</a:t>
             </a:fld>
             <a:endParaRPr lang="en-US"/>
           </a:p>
@@ -1991,6 +1960,7 @@
           <a:p>
             <a:fld id="{9B618960-8005-486C-9A75-10CB2AAC16F9}" type="slidenum">
               <a:rPr lang="en-US" smtClean="0"/>
+              <a:t>‹#›</a:t>
             </a:fld>
             <a:endParaRPr lang="en-US"/>
           </a:p>
@@ -2038,10 +2008,9 @@
           <a:lstStyle/>
           <a:p>
             <a:r>
-              <a:rPr lang="en-US" smtClean="0"/>
+              <a:rPr lang="en-US"/>
               <a:t>Click to edit Master title style</a:t>
             </a:r>
-            <a:endParaRPr lang="en-US"/>
           </a:p>
         </p:txBody>
       </p:sp>
@@ -2062,6 +2031,7 @@
           <a:p>
             <a:fld id="{63A1C593-65D0-4073-BCC9-577B9352EA97}" type="datetimeFigureOut">
               <a:rPr lang="en-US" smtClean="0"/>
+              <a:t>10/26/2023</a:t>
             </a:fld>
             <a:endParaRPr lang="en-US"/>
           </a:p>
@@ -2103,6 +2073,7 @@
           <a:p>
             <a:fld id="{9B618960-8005-486C-9A75-10CB2AAC16F9}" type="slidenum">
               <a:rPr lang="en-US" smtClean="0"/>
+              <a:t>‹#›</a:t>
             </a:fld>
             <a:endParaRPr lang="en-US"/>
           </a:p>
@@ -2151,6 +2122,7 @@
           <a:p>
             <a:fld id="{63A1C593-65D0-4073-BCC9-577B9352EA97}" type="datetimeFigureOut">
               <a:rPr lang="en-US" smtClean="0"/>
+              <a:t>10/26/2023</a:t>
             </a:fld>
             <a:endParaRPr lang="en-US"/>
           </a:p>
@@ -2192,6 +2164,7 @@
           <a:p>
             <a:fld id="{9B618960-8005-486C-9A75-10CB2AAC16F9}" type="slidenum">
               <a:rPr lang="en-US" smtClean="0"/>
+              <a:t>‹#›</a:t>
             </a:fld>
             <a:endParaRPr lang="en-US"/>
           </a:p>
@@ -2248,10 +2221,9 @@
           </a:lstStyle>
           <a:p>
             <a:r>
-              <a:rPr lang="en-US" smtClean="0"/>
+              <a:rPr lang="en-US"/>
               <a:t>Click to edit Master title style</a:t>
             </a:r>
-            <a:endParaRPr lang="en-US"/>
           </a:p>
         </p:txBody>
       </p:sp>
@@ -2305,42 +2277,37 @@
           <a:p>
             <a:pPr lvl="0"/>
             <a:r>
-              <a:rPr lang="en-US" smtClean="0"/>
+              <a:rPr lang="en-US"/>
               <a:t>Click to edit Master text styles</a:t>
             </a:r>
-            <a:endParaRPr lang="en-US" smtClean="0"/>
           </a:p>
           <a:p>
             <a:pPr lvl="1"/>
             <a:r>
-              <a:rPr lang="en-US" smtClean="0"/>
+              <a:rPr lang="en-US"/>
               <a:t>Second level</a:t>
             </a:r>
-            <a:endParaRPr lang="en-US" smtClean="0"/>
           </a:p>
           <a:p>
             <a:pPr lvl="2"/>
             <a:r>
-              <a:rPr lang="en-US" smtClean="0"/>
+              <a:rPr lang="en-US"/>
               <a:t>Third level</a:t>
             </a:r>
-            <a:endParaRPr lang="en-US" smtClean="0"/>
           </a:p>
           <a:p>
             <a:pPr lvl="3"/>
             <a:r>
-              <a:rPr lang="en-US" smtClean="0"/>
+              <a:rPr lang="en-US"/>
               <a:t>Fourth level</a:t>
             </a:r>
-            <a:endParaRPr lang="en-US" smtClean="0"/>
           </a:p>
           <a:p>
             <a:pPr lvl="4"/>
             <a:r>
-              <a:rPr lang="en-US" smtClean="0"/>
+              <a:rPr lang="en-US"/>
               <a:t>Fifth level</a:t>
             </a:r>
-            <a:endParaRPr lang="en-US"/>
           </a:p>
         </p:txBody>
       </p:sp>
@@ -2403,10 +2370,9 @@
           <a:p>
             <a:pPr lvl="0"/>
             <a:r>
-              <a:rPr lang="en-US" smtClean="0"/>
+              <a:rPr lang="en-US"/>
               <a:t>Click to edit Master text styles</a:t>
             </a:r>
-            <a:endParaRPr lang="en-US" smtClean="0"/>
           </a:p>
         </p:txBody>
       </p:sp>
@@ -2427,6 +2393,7 @@
           <a:p>
             <a:fld id="{63A1C593-65D0-4073-BCC9-577B9352EA97}" type="datetimeFigureOut">
               <a:rPr lang="en-US" smtClean="0"/>
+              <a:t>10/26/2023</a:t>
             </a:fld>
             <a:endParaRPr lang="en-US"/>
           </a:p>
@@ -2468,6 +2435,7 @@
           <a:p>
             <a:fld id="{9B618960-8005-486C-9A75-10CB2AAC16F9}" type="slidenum">
               <a:rPr lang="en-US" smtClean="0"/>
+              <a:t>‹#›</a:t>
             </a:fld>
             <a:endParaRPr lang="en-US"/>
           </a:p>
@@ -2524,10 +2492,9 @@
           </a:lstStyle>
           <a:p>
             <a:r>
-              <a:rPr lang="en-US" smtClean="0"/>
+              <a:rPr lang="en-US"/>
               <a:t>Click to edit Master title style</a:t>
             </a:r>
-            <a:endParaRPr lang="en-US"/>
           </a:p>
         </p:txBody>
       </p:sp>
@@ -2651,10 +2618,9 @@
           <a:p>
             <a:pPr lvl="0"/>
             <a:r>
-              <a:rPr lang="en-US" smtClean="0"/>
+              <a:rPr lang="en-US"/>
               <a:t>Click to edit Master text styles</a:t>
             </a:r>
-            <a:endParaRPr lang="en-US" smtClean="0"/>
           </a:p>
         </p:txBody>
       </p:sp>
@@ -2675,6 +2641,7 @@
           <a:p>
             <a:fld id="{63A1C593-65D0-4073-BCC9-577B9352EA97}" type="datetimeFigureOut">
               <a:rPr lang="en-US" smtClean="0"/>
+              <a:t>10/26/2023</a:t>
             </a:fld>
             <a:endParaRPr lang="en-US"/>
           </a:p>
@@ -2716,6 +2683,7 @@
           <a:p>
             <a:fld id="{9B618960-8005-486C-9A75-10CB2AAC16F9}" type="slidenum">
               <a:rPr lang="en-US" smtClean="0"/>
+              <a:t>‹#›</a:t>
             </a:fld>
             <a:endParaRPr lang="en-US"/>
           </a:p>
@@ -2778,10 +2746,9 @@
           <a:lstStyle/>
           <a:p>
             <a:r>
-              <a:rPr lang="en-US" smtClean="0"/>
+              <a:rPr lang="en-US"/>
               <a:t>Click to edit Master title style</a:t>
             </a:r>
-            <a:endParaRPr lang="en-US"/>
           </a:p>
         </p:txBody>
       </p:sp>
@@ -2812,42 +2779,37 @@
           <a:p>
             <a:pPr lvl="0"/>
             <a:r>
-              <a:rPr lang="en-US" smtClean="0"/>
+              <a:rPr lang="en-US"/>
               <a:t>Click to edit Master text styles</a:t>
             </a:r>
-            <a:endParaRPr lang="en-US" smtClean="0"/>
           </a:p>
           <a:p>
             <a:pPr lvl="1"/>
             <a:r>
-              <a:rPr lang="en-US" smtClean="0"/>
+              <a:rPr lang="en-US"/>
               <a:t>Second level</a:t>
             </a:r>
-            <a:endParaRPr lang="en-US" smtClean="0"/>
           </a:p>
           <a:p>
             <a:pPr lvl="2"/>
             <a:r>
-              <a:rPr lang="en-US" smtClean="0"/>
+              <a:rPr lang="en-US"/>
               <a:t>Third level</a:t>
             </a:r>
-            <a:endParaRPr lang="en-US" smtClean="0"/>
           </a:p>
           <a:p>
             <a:pPr lvl="3"/>
             <a:r>
-              <a:rPr lang="en-US" smtClean="0"/>
+              <a:rPr lang="en-US"/>
               <a:t>Fourth level</a:t>
             </a:r>
-            <a:endParaRPr lang="en-US" smtClean="0"/>
           </a:p>
           <a:p>
             <a:pPr lvl="4"/>
             <a:r>
-              <a:rPr lang="en-US" smtClean="0"/>
+              <a:rPr lang="en-US"/>
               <a:t>Fifth level</a:t>
             </a:r>
-            <a:endParaRPr lang="en-US"/>
           </a:p>
         </p:txBody>
       </p:sp>
@@ -2886,6 +2848,7 @@
           <a:p>
             <a:fld id="{63A1C593-65D0-4073-BCC9-577B9352EA97}" type="datetimeFigureOut">
               <a:rPr lang="en-US" smtClean="0"/>
+              <a:t>10/26/2023</a:t>
             </a:fld>
             <a:endParaRPr lang="en-US"/>
           </a:p>
@@ -2963,6 +2926,7 @@
           <a:p>
             <a:fld id="{9B618960-8005-486C-9A75-10CB2AAC16F9}" type="slidenum">
               <a:rPr lang="en-US" smtClean="0"/>
+              <a:t>‹#›</a:t>
             </a:fld>
             <a:endParaRPr lang="en-US"/>
           </a:p>
@@ -3292,7 +3256,7 @@
           <p:nvPr/>
         </p:nvPicPr>
         <p:blipFill>
-          <a:blip r:embed="rId1" cstate="print"/>
+          <a:blip r:embed="rId2" cstate="print"/>
           <a:stretch>
             <a:fillRect/>
           </a:stretch>
@@ -3348,11 +3312,6 @@
               </a:rPr>
               <a:t>Create REST APIs with JAX-RS</a:t>
             </a:r>
-            <a:endParaRPr sz="4500" dirty="0">
-              <a:solidFill>
-                <a:srgbClr val="171717"/>
-              </a:solidFill>
-            </a:endParaRPr>
           </a:p>
         </p:txBody>
       </p:sp>
@@ -3369,9 +3328,11 @@
         <p:spPr/>
         <p:txBody>
           <a:bodyPr/>
+          <a:lstStyle/>
           <a:p>
             <a:fld id="{B6F15528-21DE-4FAA-801E-634DDDAF4B2B}" type="slidenum">
               <a:rPr/>
+              <a:t>1</a:t>
             </a:fld>
             <a:endParaRPr/>
           </a:p>
@@ -3394,7 +3355,14 @@
         <p:cNvGrpSpPr/>
         <p:nvPr/>
       </p:nvGrpSpPr>
-      <p:grpSpPr/>
+      <p:grpSpPr>
+        <a:xfrm>
+          <a:off x="0" y="0"/>
+          <a:ext cx="0" cy="0"/>
+          <a:chOff x="0" y="0"/>
+          <a:chExt cx="0" cy="0"/>
+        </a:xfrm>
+      </p:grpSpPr>
       <p:sp>
         <p:nvSpPr>
           <p:cNvPr id="2" name="Title 1"/>
@@ -3408,6 +3376,7 @@
         <p:spPr/>
         <p:txBody>
           <a:bodyPr/>
+          <a:lstStyle/>
           <a:p>
             <a:endParaRPr lang="en-US"/>
           </a:p>
@@ -3417,7 +3386,7 @@
         <p:nvGraphicFramePr>
           <p:cNvPr id="4" name="Content Placeholder 3"/>
           <p:cNvGraphicFramePr>
-            <a:graphicFrameLocks noChangeAspect="1"/>
+            <a:graphicFrameLocks noGrp="1" noChangeAspect="1"/>
           </p:cNvGraphicFramePr>
           <p:nvPr>
             <p:ph idx="1"/>
@@ -3431,12 +3400,12 @@
           <a:graphicData uri="http://schemas.openxmlformats.org/presentationml/2006/ole">
             <mc:AlternateContent xmlns:mc="http://schemas.openxmlformats.org/markup-compatibility/2006">
               <mc:Choice xmlns:v="urn:schemas-microsoft-com:vml" Requires="v">
-                <p:oleObj spid="_x0000_s5" name="" r:id="rId1" imgW="6057900" imgH="4010025" progId="Paint.Picture">
+                <p:oleObj r:id="rId2" imgW="6057900" imgH="4010025" progId="Paint.Picture">
                   <p:embed/>
                 </p:oleObj>
               </mc:Choice>
               <mc:Fallback>
-                <p:oleObj name="" r:id="rId1" imgW="6057900" imgH="4010025" progId="Paint.Picture">
+                <p:oleObj r:id="rId2" imgW="6057900" imgH="4010025" progId="Paint.Picture">
                   <p:embed/>
                   <p:pic>
                     <p:nvPicPr>
@@ -3445,7 +3414,7 @@
                       <p:nvPr/>
                     </p:nvPicPr>
                     <p:blipFill>
-                      <a:blip r:embed="rId2"/>
+                      <a:blip r:embed="rId3"/>
                       <a:stretch>
                         <a:fillRect/>
                       </a:stretch>
@@ -3479,9 +3448,11 @@
         <p:spPr/>
         <p:txBody>
           <a:bodyPr/>
+          <a:lstStyle/>
           <a:p>
             <a:fld id="{9B618960-8005-486C-9A75-10CB2AAC16F9}" type="slidenum">
               <a:rPr lang="en-US" smtClean="0"/>
+              <a:t>2</a:t>
             </a:fld>
             <a:endParaRPr lang="en-US"/>
           </a:p>
@@ -3504,7 +3475,14 @@
         <p:cNvGrpSpPr/>
         <p:nvPr/>
       </p:nvGrpSpPr>
-      <p:grpSpPr/>
+      <p:grpSpPr>
+        <a:xfrm>
+          <a:off x="0" y="0"/>
+          <a:ext cx="0" cy="0"/>
+          <a:chOff x="0" y="0"/>
+          <a:chExt cx="0" cy="0"/>
+        </a:xfrm>
+      </p:grpSpPr>
       <p:sp>
         <p:nvSpPr>
           <p:cNvPr id="2" name="Title 1"/>
@@ -3518,6 +3496,7 @@
         <p:spPr/>
         <p:txBody>
           <a:bodyPr/>
+          <a:lstStyle/>
           <a:p>
             <a:endParaRPr lang="en-US"/>
           </a:p>
@@ -3536,34 +3515,65 @@
         <p:spPr/>
         <p:txBody>
           <a:bodyPr/>
+          <a:lstStyle/>
           <a:p>
             <a:fld id="{9B618960-8005-486C-9A75-10CB2AAC16F9}" type="slidenum">
               <a:rPr lang="en-US" smtClean="0"/>
+              <a:t>3</a:t>
             </a:fld>
+            <a:endParaRPr lang="en-US"/>
+          </a:p>
+        </p:txBody>
+      </p:sp>
+      <p:sp>
+        <p:nvSpPr>
+          <p:cNvPr id="6" name="Content Placeholder 5">
+            <a:extLst>
+              <a:ext uri="{FF2B5EF4-FFF2-40B4-BE49-F238E27FC236}">
+                <a16:creationId xmlns:a16="http://schemas.microsoft.com/office/drawing/2014/main" id="{17EF36B6-CF62-0E5F-D3CC-FF3978015C65}"/>
+              </a:ext>
+            </a:extLst>
+          </p:cNvPr>
+          <p:cNvSpPr>
+            <a:spLocks noGrp="1"/>
+          </p:cNvSpPr>
+          <p:nvPr>
+            <p:ph idx="1"/>
+          </p:nvPr>
+        </p:nvSpPr>
+        <p:spPr/>
+        <p:txBody>
+          <a:bodyPr/>
+          <a:lstStyle/>
+          <a:p>
             <a:endParaRPr lang="en-US"/>
           </a:p>
         </p:txBody>
       </p:sp>
       <p:pic>
         <p:nvPicPr>
-          <p:cNvPr id="5" name="Content Placeholder 4"/>
+          <p:cNvPr id="8" name="Picture 7">
+            <a:extLst>
+              <a:ext uri="{FF2B5EF4-FFF2-40B4-BE49-F238E27FC236}">
+                <a16:creationId xmlns:a16="http://schemas.microsoft.com/office/drawing/2014/main" id="{BE3506DA-7B97-FE3D-CBDA-015C10913913}"/>
+              </a:ext>
+            </a:extLst>
+          </p:cNvPr>
           <p:cNvPicPr>
             <a:picLocks noChangeAspect="1"/>
           </p:cNvPicPr>
-          <p:nvPr>
-            <p:ph idx="1"/>
-          </p:nvPr>
+          <p:nvPr/>
         </p:nvPicPr>
         <p:blipFill>
-          <a:blip r:embed="rId1"/>
+          <a:blip r:embed="rId2"/>
           <a:stretch>
             <a:fillRect/>
           </a:stretch>
         </p:blipFill>
         <p:spPr>
           <a:xfrm>
-            <a:off x="1399540" y="1045845"/>
-            <a:ext cx="9737090" cy="5064760"/>
+            <a:off x="21805" y="1027906"/>
+            <a:ext cx="12170195" cy="6325148"/>
           </a:xfrm>
           <a:prstGeom prst="rect">
             <a:avLst/>
@@ -3829,6 +3839,8 @@
       </a:bgFillStyleLst>
     </a:fmtScheme>
   </a:themeElements>
+  <a:objectDefaults/>
+  <a:extraClrSchemeLst/>
   <a:extLst>
     <a:ext uri="{05A4C25C-085E-4340-85A3-A5531E510DB2}">
       <thm15:themeFamily xmlns:thm15="http://schemas.microsoft.com/office/thememl/2012/main" name="Office Theme" id="{62F939B6-93AF-4DB8-9C6B-D6C7DFDC589F}" vid="{4A3C46E8-61CC-4603-A589-7422A47A8E4A}"/>
@@ -4088,6 +4100,8 @@
       </a:bgFillStyleLst>
     </a:fmtScheme>
   </a:themeElements>
+  <a:objectDefaults/>
+  <a:extraClrSchemeLst/>
   <a:extLst>
     <a:ext uri="{05A4C25C-085E-4340-85A3-A5531E510DB2}">
       <thm15:themeFamily xmlns:thm15="http://schemas.microsoft.com/office/thememl/2012/main" name="Office Theme" id="{62F939B6-93AF-4DB8-9C6B-D6C7DFDC589F}" vid="{4A3C46E8-61CC-4603-A589-7422A47A8E4A}"/>
